--- a/contrib/vault/images/VaultInitContainer.pptx
+++ b/contrib/vault/images/VaultInitContainer.pptx
@@ -105,6 +105,11 @@
       </a:defRPr>
     </a:lvl9pPr>
   </p:defaultTextStyle>
+  <p:extLst>
+    <p:ext uri="{EFAFB233-063F-42B5-8137-9DF3F51BA10A}">
+      <p15:sldGuideLst xmlns:p15="http://schemas.microsoft.com/office/powerpoint/2012/main"/>
+    </p:ext>
+  </p:extLst>
 </p:presentation>
 </file>
 
@@ -257,7 +262,7 @@
           <a:p>
             <a:fld id="{FBABBD2A-5989-9142-A1CD-F3A7CB7297A2}" type="datetimeFigureOut">
               <a:rPr lang="en-FR" smtClean="0"/>
-              <a:t>16/01/2024</a:t>
+              <a:t>19/03/2024</a:t>
             </a:fld>
             <a:endParaRPr lang="en-FR"/>
           </a:p>
@@ -457,7 +462,7 @@
           <a:p>
             <a:fld id="{FBABBD2A-5989-9142-A1CD-F3A7CB7297A2}" type="datetimeFigureOut">
               <a:rPr lang="en-FR" smtClean="0"/>
-              <a:t>16/01/2024</a:t>
+              <a:t>19/03/2024</a:t>
             </a:fld>
             <a:endParaRPr lang="en-FR"/>
           </a:p>
@@ -667,7 +672,7 @@
           <a:p>
             <a:fld id="{FBABBD2A-5989-9142-A1CD-F3A7CB7297A2}" type="datetimeFigureOut">
               <a:rPr lang="en-FR" smtClean="0"/>
-              <a:t>16/01/2024</a:t>
+              <a:t>19/03/2024</a:t>
             </a:fld>
             <a:endParaRPr lang="en-FR"/>
           </a:p>
@@ -867,7 +872,7 @@
           <a:p>
             <a:fld id="{FBABBD2A-5989-9142-A1CD-F3A7CB7297A2}" type="datetimeFigureOut">
               <a:rPr lang="en-FR" smtClean="0"/>
-              <a:t>16/01/2024</a:t>
+              <a:t>19/03/2024</a:t>
             </a:fld>
             <a:endParaRPr lang="en-FR"/>
           </a:p>
@@ -1143,7 +1148,7 @@
           <a:p>
             <a:fld id="{FBABBD2A-5989-9142-A1CD-F3A7CB7297A2}" type="datetimeFigureOut">
               <a:rPr lang="en-FR" smtClean="0"/>
-              <a:t>16/01/2024</a:t>
+              <a:t>19/03/2024</a:t>
             </a:fld>
             <a:endParaRPr lang="en-FR"/>
           </a:p>
@@ -1411,7 +1416,7 @@
           <a:p>
             <a:fld id="{FBABBD2A-5989-9142-A1CD-F3A7CB7297A2}" type="datetimeFigureOut">
               <a:rPr lang="en-FR" smtClean="0"/>
-              <a:t>16/01/2024</a:t>
+              <a:t>19/03/2024</a:t>
             </a:fld>
             <a:endParaRPr lang="en-FR"/>
           </a:p>
@@ -1826,7 +1831,7 @@
           <a:p>
             <a:fld id="{FBABBD2A-5989-9142-A1CD-F3A7CB7297A2}" type="datetimeFigureOut">
               <a:rPr lang="en-FR" smtClean="0"/>
-              <a:t>16/01/2024</a:t>
+              <a:t>19/03/2024</a:t>
             </a:fld>
             <a:endParaRPr lang="en-FR"/>
           </a:p>
@@ -1968,7 +1973,7 @@
           <a:p>
             <a:fld id="{FBABBD2A-5989-9142-A1CD-F3A7CB7297A2}" type="datetimeFigureOut">
               <a:rPr lang="en-FR" smtClean="0"/>
-              <a:t>16/01/2024</a:t>
+              <a:t>19/03/2024</a:t>
             </a:fld>
             <a:endParaRPr lang="en-FR"/>
           </a:p>
@@ -2081,7 +2086,7 @@
           <a:p>
             <a:fld id="{FBABBD2A-5989-9142-A1CD-F3A7CB7297A2}" type="datetimeFigureOut">
               <a:rPr lang="en-FR" smtClean="0"/>
-              <a:t>16/01/2024</a:t>
+              <a:t>19/03/2024</a:t>
             </a:fld>
             <a:endParaRPr lang="en-FR"/>
           </a:p>
@@ -2394,7 +2399,7 @@
           <a:p>
             <a:fld id="{FBABBD2A-5989-9142-A1CD-F3A7CB7297A2}" type="datetimeFigureOut">
               <a:rPr lang="en-FR" smtClean="0"/>
-              <a:t>16/01/2024</a:t>
+              <a:t>19/03/2024</a:t>
             </a:fld>
             <a:endParaRPr lang="en-FR"/>
           </a:p>
@@ -2683,7 +2688,7 @@
           <a:p>
             <a:fld id="{FBABBD2A-5989-9142-A1CD-F3A7CB7297A2}" type="datetimeFigureOut">
               <a:rPr lang="en-FR" smtClean="0"/>
-              <a:t>16/01/2024</a:t>
+              <a:t>19/03/2024</a:t>
             </a:fld>
             <a:endParaRPr lang="en-FR"/>
           </a:p>
@@ -2926,7 +2931,7 @@
           <a:p>
             <a:fld id="{FBABBD2A-5989-9142-A1CD-F3A7CB7297A2}" type="datetimeFigureOut">
               <a:rPr lang="en-FR" smtClean="0"/>
-              <a:t>16/01/2024</a:t>
+              <a:t>19/03/2024</a:t>
             </a:fld>
             <a:endParaRPr lang="en-FR"/>
           </a:p>
@@ -3357,8 +3362,8 @@
         </p:nvSpPr>
         <p:spPr>
           <a:xfrm>
-            <a:off x="4055165" y="1267239"/>
-            <a:ext cx="5456583" cy="4467639"/>
+            <a:off x="3949315" y="737581"/>
+            <a:ext cx="6490252" cy="5178287"/>
           </a:xfrm>
           <a:prstGeom prst="rect">
             <a:avLst/>
@@ -3401,7 +3406,7 @@
         </p:nvSpPr>
         <p:spPr>
           <a:xfrm>
-            <a:off x="6096000" y="1411357"/>
+            <a:off x="6863179" y="1470992"/>
             <a:ext cx="3269974" cy="4179404"/>
           </a:xfrm>
           <a:prstGeom prst="rect">
@@ -3445,7 +3450,7 @@
         </p:nvSpPr>
         <p:spPr>
           <a:xfrm>
-            <a:off x="6359387" y="1970431"/>
+            <a:off x="7126566" y="2030066"/>
             <a:ext cx="2743200" cy="1356294"/>
           </a:xfrm>
           <a:prstGeom prst="roundRect">
@@ -3503,7 +3508,7 @@
         </p:nvSpPr>
         <p:spPr>
           <a:xfrm>
-            <a:off x="6390861" y="3518451"/>
+            <a:off x="7158040" y="3578086"/>
             <a:ext cx="2822713" cy="1729409"/>
           </a:xfrm>
           <a:prstGeom prst="roundRect">
@@ -3558,7 +3563,7 @@
         </p:nvSpPr>
         <p:spPr>
           <a:xfrm>
-            <a:off x="6235948" y="1482622"/>
+            <a:off x="7003127" y="1542257"/>
             <a:ext cx="1177117" cy="369332"/>
           </a:xfrm>
           <a:prstGeom prst="rect">
@@ -3649,7 +3654,7 @@
         </p:nvSpPr>
         <p:spPr>
           <a:xfrm>
-            <a:off x="6479884" y="2081846"/>
+            <a:off x="7247063" y="2141481"/>
             <a:ext cx="714557" cy="401532"/>
           </a:xfrm>
           <a:prstGeom prst="can">
@@ -3696,11 +3701,14 @@
         </p:nvSpPr>
         <p:spPr>
           <a:xfrm>
-            <a:off x="5529375" y="2081846"/>
-            <a:ext cx="932120" cy="313428"/>
+            <a:off x="6658391" y="2193879"/>
+            <a:ext cx="588672" cy="313428"/>
           </a:xfrm>
           <a:prstGeom prst="rightArrow">
-            <a:avLst/>
+            <a:avLst>
+              <a:gd name="adj1" fmla="val 37316"/>
+              <a:gd name="adj2" fmla="val 50000"/>
+            </a:avLst>
           </a:prstGeom>
           <a:solidFill>
             <a:schemeClr val="accent2">
@@ -3748,7 +3756,7 @@
         </p:nvSpPr>
         <p:spPr>
           <a:xfrm>
-            <a:off x="7666382" y="3094597"/>
+            <a:off x="8433561" y="3154232"/>
             <a:ext cx="271670" cy="655982"/>
           </a:xfrm>
           <a:prstGeom prst="downArrow">
@@ -3800,7 +3808,7 @@
         </p:nvSpPr>
         <p:spPr>
           <a:xfrm>
-            <a:off x="7346310" y="3778753"/>
+            <a:off x="8113489" y="3838388"/>
             <a:ext cx="911814" cy="459685"/>
           </a:xfrm>
           <a:prstGeom prst="can">
@@ -4079,6 +4087,155 @@
               <a:rPr lang="en-FR" dirty="0"/>
               <a:t>Secrets</a:t>
             </a:r>
+          </a:p>
+        </p:txBody>
+      </p:sp>
+      <p:sp>
+        <p:nvSpPr>
+          <p:cNvPr id="2" name="Rounded Rectangle 1">
+            <a:extLst>
+              <a:ext uri="{FF2B5EF4-FFF2-40B4-BE49-F238E27FC236}">
+                <a16:creationId xmlns:a16="http://schemas.microsoft.com/office/drawing/2014/main" id="{E1145E83-D77C-1C92-14FB-83F6ED88EA53}"/>
+              </a:ext>
+            </a:extLst>
+          </p:cNvPr>
+          <p:cNvSpPr/>
+          <p:nvPr/>
+        </p:nvSpPr>
+        <p:spPr>
+          <a:xfrm>
+            <a:off x="5814847" y="1962461"/>
+            <a:ext cx="843543" cy="784968"/>
+          </a:xfrm>
+          <a:prstGeom prst="roundRect">
+            <a:avLst/>
+          </a:prstGeom>
+        </p:spPr>
+        <p:style>
+          <a:lnRef idx="2">
+            <a:schemeClr val="accent2">
+              <a:shade val="15000"/>
+            </a:schemeClr>
+          </a:lnRef>
+          <a:fillRef idx="1">
+            <a:schemeClr val="accent2"/>
+          </a:fillRef>
+          <a:effectRef idx="0">
+            <a:schemeClr val="accent2"/>
+          </a:effectRef>
+          <a:fontRef idx="minor">
+            <a:schemeClr val="lt1"/>
+          </a:fontRef>
+        </p:style>
+        <p:txBody>
+          <a:bodyPr rtlCol="0" anchor="ctr"/>
+          <a:lstStyle/>
+          <a:p>
+            <a:pPr algn="ctr"/>
+            <a:r>
+              <a:rPr lang="en-FR" sz="1100" b="1" dirty="0">
+                <a:ln w="22225">
+                  <a:solidFill>
+                    <a:schemeClr val="accent2"/>
+                  </a:solidFill>
+                  <a:prstDash val="solid"/>
+                </a:ln>
+                <a:solidFill>
+                  <a:schemeClr val="accent2">
+                    <a:lumMod val="40000"/>
+                    <a:lumOff val="60000"/>
+                  </a:schemeClr>
+                </a:solidFill>
+              </a:rPr>
+              <a:t>S</a:t>
+            </a:r>
+            <a:r>
+              <a:rPr lang="en-GB" sz="1100" dirty="0"/>
+              <a:t>secret</a:t>
+            </a:r>
+          </a:p>
+          <a:p>
+            <a:pPr algn="ctr"/>
+            <a:r>
+              <a:rPr lang="en-GB" sz="1100" dirty="0"/>
+              <a:t>Provider</a:t>
+            </a:r>
+          </a:p>
+          <a:p>
+            <a:pPr algn="ctr"/>
+            <a:r>
+              <a:rPr lang="en-GB" sz="1100" dirty="0"/>
+              <a:t>Class</a:t>
+            </a:r>
+            <a:endParaRPr lang="en-FR" sz="1100" b="1" dirty="0">
+              <a:ln w="22225">
+                <a:solidFill>
+                  <a:schemeClr val="accent2"/>
+                </a:solidFill>
+                <a:prstDash val="solid"/>
+              </a:ln>
+              <a:solidFill>
+                <a:schemeClr val="accent2">
+                  <a:lumMod val="40000"/>
+                  <a:lumOff val="60000"/>
+                </a:schemeClr>
+              </a:solidFill>
+            </a:endParaRPr>
+          </a:p>
+        </p:txBody>
+      </p:sp>
+      <p:sp>
+        <p:nvSpPr>
+          <p:cNvPr id="3" name="Right Arrow 2">
+            <a:extLst>
+              <a:ext uri="{FF2B5EF4-FFF2-40B4-BE49-F238E27FC236}">
+                <a16:creationId xmlns:a16="http://schemas.microsoft.com/office/drawing/2014/main" id="{9F0F0D63-5967-259F-988A-464AD43EBE70}"/>
+              </a:ext>
+            </a:extLst>
+          </p:cNvPr>
+          <p:cNvSpPr/>
+          <p:nvPr/>
+        </p:nvSpPr>
+        <p:spPr>
+          <a:xfrm>
+            <a:off x="5506188" y="2152594"/>
+            <a:ext cx="308657" cy="313428"/>
+          </a:xfrm>
+          <a:prstGeom prst="rightArrow">
+            <a:avLst>
+              <a:gd name="adj1" fmla="val 37316"/>
+              <a:gd name="adj2" fmla="val 50000"/>
+            </a:avLst>
+          </a:prstGeom>
+          <a:solidFill>
+            <a:schemeClr val="accent2">
+              <a:lumMod val="40000"/>
+              <a:lumOff val="60000"/>
+            </a:schemeClr>
+          </a:solidFill>
+        </p:spPr>
+        <p:style>
+          <a:lnRef idx="2">
+            <a:schemeClr val="accent1">
+              <a:shade val="15000"/>
+            </a:schemeClr>
+          </a:lnRef>
+          <a:fillRef idx="1">
+            <a:schemeClr val="accent1"/>
+          </a:fillRef>
+          <a:effectRef idx="0">
+            <a:schemeClr val="accent1"/>
+          </a:effectRef>
+          <a:fontRef idx="minor">
+            <a:schemeClr val="lt1"/>
+          </a:fontRef>
+        </p:style>
+        <p:txBody>
+          <a:bodyPr rtlCol="0" anchor="ctr"/>
+          <a:lstStyle/>
+          <a:p>
+            <a:pPr algn="ctr"/>
+            <a:endParaRPr lang="en-FR" dirty="0"/>
           </a:p>
         </p:txBody>
       </p:sp>
